--- a/Python/Sidji-Prezentacija1.pptx
+++ b/Python/Sidji-Prezentacija1.pptx
@@ -394,7 +394,7 @@
           <a:p>
             <a:fld id="{BD126B65-D02D-4A36-BFE4-3D16482D8DC0}" type="datetimeFigureOut">
               <a:rPr lang="en-US" smtClean="0"/>
-              <a:t>12/16/2015</a:t>
+              <a:t>27/06/2016</a:t>
             </a:fld>
             <a:endParaRPr lang="en-US"/>
           </a:p>
@@ -808,7 +808,7 @@
           <a:p>
             <a:fld id="{BD126B65-D02D-4A36-BFE4-3D16482D8DC0}" type="datetimeFigureOut">
               <a:rPr lang="en-US" smtClean="0"/>
-              <a:t>12/16/2015</a:t>
+              <a:t>27/06/2016</a:t>
             </a:fld>
             <a:endParaRPr lang="en-US"/>
           </a:p>
@@ -1144,7 +1144,7 @@
           <a:p>
             <a:fld id="{BD126B65-D02D-4A36-BFE4-3D16482D8DC0}" type="datetimeFigureOut">
               <a:rPr lang="en-US" smtClean="0"/>
-              <a:t>12/16/2015</a:t>
+              <a:t>27/06/2016</a:t>
             </a:fld>
             <a:endParaRPr lang="en-US"/>
           </a:p>
@@ -1549,7 +1549,7 @@
           <a:p>
             <a:fld id="{BD126B65-D02D-4A36-BFE4-3D16482D8DC0}" type="datetimeFigureOut">
               <a:rPr lang="en-US" smtClean="0"/>
-              <a:t>12/16/2015</a:t>
+              <a:t>27/06/2016</a:t>
             </a:fld>
             <a:endParaRPr lang="en-US"/>
           </a:p>
@@ -2117,7 +2117,7 @@
           <a:p>
             <a:fld id="{BD126B65-D02D-4A36-BFE4-3D16482D8DC0}" type="datetimeFigureOut">
               <a:rPr lang="en-US" smtClean="0"/>
-              <a:t>12/16/2015</a:t>
+              <a:t>27/06/2016</a:t>
             </a:fld>
             <a:endParaRPr lang="en-US"/>
           </a:p>
@@ -2798,7 +2798,7 @@
           <a:p>
             <a:fld id="{BD126B65-D02D-4A36-BFE4-3D16482D8DC0}" type="datetimeFigureOut">
               <a:rPr lang="en-US" smtClean="0"/>
-              <a:t>12/16/2015</a:t>
+              <a:t>27/06/2016</a:t>
             </a:fld>
             <a:endParaRPr lang="en-US"/>
           </a:p>
@@ -3711,7 +3711,7 @@
           <a:p>
             <a:fld id="{BD126B65-D02D-4A36-BFE4-3D16482D8DC0}" type="datetimeFigureOut">
               <a:rPr lang="en-US" smtClean="0"/>
-              <a:t>12/16/2015</a:t>
+              <a:t>27/06/2016</a:t>
             </a:fld>
             <a:endParaRPr lang="en-US"/>
           </a:p>
@@ -4024,7 +4024,7 @@
           <a:p>
             <a:fld id="{BD126B65-D02D-4A36-BFE4-3D16482D8DC0}" type="datetimeFigureOut">
               <a:rPr lang="en-US" smtClean="0"/>
-              <a:t>12/16/2015</a:t>
+              <a:t>27/06/2016</a:t>
             </a:fld>
             <a:endParaRPr lang="en-US"/>
           </a:p>
@@ -4288,7 +4288,7 @@
           <a:p>
             <a:fld id="{BD126B65-D02D-4A36-BFE4-3D16482D8DC0}" type="datetimeFigureOut">
               <a:rPr lang="en-US" smtClean="0"/>
-              <a:t>12/16/2015</a:t>
+              <a:t>27/06/2016</a:t>
             </a:fld>
             <a:endParaRPr lang="en-US"/>
           </a:p>
@@ -4629,7 +4629,7 @@
           <a:p>
             <a:fld id="{BD126B65-D02D-4A36-BFE4-3D16482D8DC0}" type="datetimeFigureOut">
               <a:rPr lang="en-US" smtClean="0"/>
-              <a:t>12/16/2015</a:t>
+              <a:t>27/06/2016</a:t>
             </a:fld>
             <a:endParaRPr lang="en-US"/>
           </a:p>
@@ -5018,7 +5018,7 @@
           <a:p>
             <a:fld id="{BD126B65-D02D-4A36-BFE4-3D16482D8DC0}" type="datetimeFigureOut">
               <a:rPr lang="en-US" smtClean="0"/>
-              <a:t>12/16/2015</a:t>
+              <a:t>27/06/2016</a:t>
             </a:fld>
             <a:endParaRPr lang="en-US"/>
           </a:p>
@@ -5394,7 +5394,7 @@
           <a:p>
             <a:fld id="{BD126B65-D02D-4A36-BFE4-3D16482D8DC0}" type="datetimeFigureOut">
               <a:rPr lang="en-US" smtClean="0"/>
-              <a:t>12/16/2015</a:t>
+              <a:t>27/06/2016</a:t>
             </a:fld>
             <a:endParaRPr lang="en-US"/>
           </a:p>
@@ -5900,7 +5900,7 @@
           <a:p>
             <a:fld id="{BD126B65-D02D-4A36-BFE4-3D16482D8DC0}" type="datetimeFigureOut">
               <a:rPr lang="en-US" smtClean="0"/>
-              <a:t>12/16/2015</a:t>
+              <a:t>27/06/2016</a:t>
             </a:fld>
             <a:endParaRPr lang="en-US"/>
           </a:p>
@@ -6157,7 +6157,7 @@
           <a:p>
             <a:fld id="{BD126B65-D02D-4A36-BFE4-3D16482D8DC0}" type="datetimeFigureOut">
               <a:rPr lang="en-US" smtClean="0"/>
-              <a:t>12/16/2015</a:t>
+              <a:t>27/06/2016</a:t>
             </a:fld>
             <a:endParaRPr lang="en-US"/>
           </a:p>
@@ -6320,7 +6320,7 @@
           <a:p>
             <a:fld id="{BD126B65-D02D-4A36-BFE4-3D16482D8DC0}" type="datetimeFigureOut">
               <a:rPr lang="en-US" smtClean="0"/>
-              <a:t>12/16/2015</a:t>
+              <a:t>27/06/2016</a:t>
             </a:fld>
             <a:endParaRPr lang="en-US"/>
           </a:p>
@@ -6710,7 +6710,7 @@
           <a:p>
             <a:fld id="{BD126B65-D02D-4A36-BFE4-3D16482D8DC0}" type="datetimeFigureOut">
               <a:rPr lang="en-US" smtClean="0"/>
-              <a:t>12/16/2015</a:t>
+              <a:t>27/06/2016</a:t>
             </a:fld>
             <a:endParaRPr lang="en-US"/>
           </a:p>
@@ -7119,7 +7119,7 @@
           <a:p>
             <a:fld id="{BD126B65-D02D-4A36-BFE4-3D16482D8DC0}" type="datetimeFigureOut">
               <a:rPr lang="en-US" smtClean="0"/>
-              <a:t>12/16/2015</a:t>
+              <a:t>27/06/2016</a:t>
             </a:fld>
             <a:endParaRPr lang="en-US"/>
           </a:p>
@@ -7363,7 +7363,7 @@
           <a:p>
             <a:fld id="{BD126B65-D02D-4A36-BFE4-3D16482D8DC0}" type="datetimeFigureOut">
               <a:rPr lang="en-US" smtClean="0"/>
-              <a:t>12/16/2015</a:t>
+              <a:t>27/06/2016</a:t>
             </a:fld>
             <a:endParaRPr lang="en-US"/>
           </a:p>
@@ -7941,11 +7941,7 @@
             </a:r>
             <a:r>
               <a:rPr lang="sr-Latn-RS" sz="2600" dirty="0" smtClean="0"/>
-              <a:t>Jocić Marko	</a:t>
-            </a:r>
-            <a:r>
-              <a:rPr lang="sr-Latn-RS" sz="2600" dirty="0" smtClean="0"/>
-              <a:t>			</a:t>
+              <a:t>Jocić Marko				</a:t>
             </a:r>
             <a:r>
               <a:rPr lang="en-US" sz="2600" dirty="0" smtClean="0"/>
@@ -8089,16 +8085,11 @@
               <a:rPr lang="sr-Latn-RS" i="1" dirty="0" smtClean="0"/>
               <a:t>Ideja</a:t>
             </a:r>
-            <a:endParaRPr lang="sr-Latn-RS" i="1" dirty="0" smtClean="0"/>
           </a:p>
           <a:p>
             <a:r>
               <a:rPr lang="sr-Latn-RS" i="1" dirty="0" smtClean="0"/>
-              <a:t>Slična </a:t>
-            </a:r>
-            <a:r>
-              <a:rPr lang="sr-Latn-RS" i="1" dirty="0" smtClean="0"/>
-              <a:t>rešenja u domenu projekta</a:t>
+              <a:t>Slična rešenja u domenu projekta</a:t>
             </a:r>
           </a:p>
           <a:p>
